--- a/必读文档/CP-ARM调试工具使用说明书.pptx
+++ b/必读文档/CP-ARM调试工具使用说明书.pptx
@@ -34,10 +34,10 @@
     <p:sldId id="266" r:id="rId28"/>
     <p:sldId id="287" r:id="rId29"/>
     <p:sldId id="293" r:id="rId30"/>
-    <p:sldId id="288" r:id="rId31"/>
-    <p:sldId id="289" r:id="rId32"/>
-    <p:sldId id="290" r:id="rId33"/>
-    <p:sldId id="294" r:id="rId34"/>
+    <p:sldId id="295" r:id="rId31"/>
+    <p:sldId id="288" r:id="rId32"/>
+    <p:sldId id="289" r:id="rId33"/>
+    <p:sldId id="290" r:id="rId34"/>
     <p:sldId id="291" r:id="rId35"/>
   </p:sldIdLst>
   <p:sldSz cx="12192000" cy="6858000"/>
@@ -276,7 +276,7 @@
           <a:p>
             <a:fld id="{D9F95DB4-0CC6-4132-8F67-51B1B83E2332}" type="datetimeFigureOut">
               <a:rPr lang="zh-CN" altLang="en-US" smtClean="0"/>
-              <a:t>2020/8/11</a:t>
+              <a:t>2020/8/12</a:t>
             </a:fld>
             <a:endParaRPr lang="zh-CN" altLang="en-US"/>
           </a:p>
@@ -446,7 +446,7 @@
           <a:p>
             <a:fld id="{D9F95DB4-0CC6-4132-8F67-51B1B83E2332}" type="datetimeFigureOut">
               <a:rPr lang="zh-CN" altLang="en-US" smtClean="0"/>
-              <a:t>2020/8/11</a:t>
+              <a:t>2020/8/12</a:t>
             </a:fld>
             <a:endParaRPr lang="zh-CN" altLang="en-US"/>
           </a:p>
@@ -626,7 +626,7 @@
           <a:p>
             <a:fld id="{D9F95DB4-0CC6-4132-8F67-51B1B83E2332}" type="datetimeFigureOut">
               <a:rPr lang="zh-CN" altLang="en-US" smtClean="0"/>
-              <a:t>2020/8/11</a:t>
+              <a:t>2020/8/12</a:t>
             </a:fld>
             <a:endParaRPr lang="zh-CN" altLang="en-US"/>
           </a:p>
@@ -796,7 +796,7 @@
           <a:p>
             <a:fld id="{D9F95DB4-0CC6-4132-8F67-51B1B83E2332}" type="datetimeFigureOut">
               <a:rPr lang="zh-CN" altLang="en-US" smtClean="0"/>
-              <a:t>2020/8/11</a:t>
+              <a:t>2020/8/12</a:t>
             </a:fld>
             <a:endParaRPr lang="zh-CN" altLang="en-US"/>
           </a:p>
@@ -1042,7 +1042,7 @@
           <a:p>
             <a:fld id="{D9F95DB4-0CC6-4132-8F67-51B1B83E2332}" type="datetimeFigureOut">
               <a:rPr lang="zh-CN" altLang="en-US" smtClean="0"/>
-              <a:t>2020/8/11</a:t>
+              <a:t>2020/8/12</a:t>
             </a:fld>
             <a:endParaRPr lang="zh-CN" altLang="en-US"/>
           </a:p>
@@ -1274,7 +1274,7 @@
           <a:p>
             <a:fld id="{D9F95DB4-0CC6-4132-8F67-51B1B83E2332}" type="datetimeFigureOut">
               <a:rPr lang="zh-CN" altLang="en-US" smtClean="0"/>
-              <a:t>2020/8/11</a:t>
+              <a:t>2020/8/12</a:t>
             </a:fld>
             <a:endParaRPr lang="zh-CN" altLang="en-US"/>
           </a:p>
@@ -1641,7 +1641,7 @@
           <a:p>
             <a:fld id="{D9F95DB4-0CC6-4132-8F67-51B1B83E2332}" type="datetimeFigureOut">
               <a:rPr lang="zh-CN" altLang="en-US" smtClean="0"/>
-              <a:t>2020/8/11</a:t>
+              <a:t>2020/8/12</a:t>
             </a:fld>
             <a:endParaRPr lang="zh-CN" altLang="en-US"/>
           </a:p>
@@ -1759,7 +1759,7 @@
           <a:p>
             <a:fld id="{D9F95DB4-0CC6-4132-8F67-51B1B83E2332}" type="datetimeFigureOut">
               <a:rPr lang="zh-CN" altLang="en-US" smtClean="0"/>
-              <a:t>2020/8/11</a:t>
+              <a:t>2020/8/12</a:t>
             </a:fld>
             <a:endParaRPr lang="zh-CN" altLang="en-US"/>
           </a:p>
@@ -1854,7 +1854,7 @@
           <a:p>
             <a:fld id="{D9F95DB4-0CC6-4132-8F67-51B1B83E2332}" type="datetimeFigureOut">
               <a:rPr lang="zh-CN" altLang="en-US" smtClean="0"/>
-              <a:t>2020/8/11</a:t>
+              <a:t>2020/8/12</a:t>
             </a:fld>
             <a:endParaRPr lang="zh-CN" altLang="en-US"/>
           </a:p>
@@ -2131,7 +2131,7 @@
           <a:p>
             <a:fld id="{D9F95DB4-0CC6-4132-8F67-51B1B83E2332}" type="datetimeFigureOut">
               <a:rPr lang="zh-CN" altLang="en-US" smtClean="0"/>
-              <a:t>2020/8/11</a:t>
+              <a:t>2020/8/12</a:t>
             </a:fld>
             <a:endParaRPr lang="zh-CN" altLang="en-US"/>
           </a:p>
@@ -2384,7 +2384,7 @@
           <a:p>
             <a:fld id="{D9F95DB4-0CC6-4132-8F67-51B1B83E2332}" type="datetimeFigureOut">
               <a:rPr lang="zh-CN" altLang="en-US" smtClean="0"/>
-              <a:t>2020/8/11</a:t>
+              <a:t>2020/8/12</a:t>
             </a:fld>
             <a:endParaRPr lang="zh-CN" altLang="en-US"/>
           </a:p>
@@ -2597,7 +2597,7 @@
           <a:p>
             <a:fld id="{D9F95DB4-0CC6-4132-8F67-51B1B83E2332}" type="datetimeFigureOut">
               <a:rPr lang="zh-CN" altLang="en-US" smtClean="0"/>
-              <a:t>2020/8/11</a:t>
+              <a:t>2020/8/12</a:t>
             </a:fld>
             <a:endParaRPr lang="zh-CN" altLang="en-US"/>
           </a:p>
@@ -9861,11 +9861,7 @@
           <a:p>
             <a:r>
               <a:rPr lang="zh-CN" altLang="en-US" sz="1600" dirty="0" smtClean="0"/>
-              <a:t>导入数据后</a:t>
-            </a:r>
-            <a:r>
-              <a:rPr lang="zh-CN" altLang="en-US" sz="1600" dirty="0" smtClean="0"/>
-              <a:t>，设置</a:t>
+              <a:t>导入数据后，设置</a:t>
             </a:r>
             <a:r>
               <a:rPr lang="en-US" altLang="zh-CN" sz="1600" b="1" dirty="0" err="1" smtClean="0"/>
@@ -10158,6 +10154,271 @@
 </file>
 
 <file path=ppt/slides/slide30.xml><?xml version="1.0" encoding="utf-8"?>
+<p:sld xmlns:a="http://schemas.openxmlformats.org/drawingml/2006/main" xmlns:r="http://schemas.openxmlformats.org/officeDocument/2006/relationships" xmlns:p="http://schemas.openxmlformats.org/presentationml/2006/main">
+  <p:cSld>
+    <p:spTree>
+      <p:nvGrpSpPr>
+        <p:cNvPr id="1" name=""/>
+        <p:cNvGrpSpPr/>
+        <p:nvPr/>
+      </p:nvGrpSpPr>
+      <p:grpSpPr>
+        <a:xfrm>
+          <a:off x="0" y="0"/>
+          <a:ext cx="0" cy="0"/>
+          <a:chOff x="0" y="0"/>
+          <a:chExt cx="0" cy="0"/>
+        </a:xfrm>
+      </p:grpSpPr>
+      <p:sp>
+        <p:nvSpPr>
+          <p:cNvPr id="5" name="标题 1"/>
+          <p:cNvSpPr txBox="1">
+            <a:spLocks/>
+          </p:cNvSpPr>
+          <p:nvPr/>
+        </p:nvSpPr>
+        <p:spPr>
+          <a:xfrm>
+            <a:off x="347749" y="171336"/>
+            <a:ext cx="2471651" cy="295389"/>
+          </a:xfrm>
+          <a:prstGeom prst="rect">
+            <a:avLst/>
+          </a:prstGeom>
+        </p:spPr>
+        <p:txBody>
+          <a:bodyPr/>
+          <a:lstStyle>
+            <a:lvl1pPr algn="l" defTabSz="914400" rtl="0" eaLnBrk="1" latinLnBrk="0" hangingPunct="1">
+              <a:lnSpc>
+                <a:spcPct val="90000"/>
+              </a:lnSpc>
+              <a:spcBef>
+                <a:spcPct val="0"/>
+              </a:spcBef>
+              <a:buNone/>
+              <a:defRPr sz="4400" kern="1200">
+                <a:solidFill>
+                  <a:schemeClr val="tx1"/>
+                </a:solidFill>
+                <a:latin typeface="+mj-lt"/>
+                <a:ea typeface="+mj-ea"/>
+                <a:cs typeface="+mj-cs"/>
+              </a:defRPr>
+            </a:lvl1pPr>
+          </a:lstStyle>
+          <a:p>
+            <a:r>
+              <a:rPr lang="en-US" altLang="zh-CN" sz="2400" dirty="0" smtClean="0">
+                <a:latin typeface="微软雅黑 Light" panose="020B0502040204020203" pitchFamily="34" charset="-122"/>
+                <a:ea typeface="微软雅黑 Light" panose="020B0502040204020203" pitchFamily="34" charset="-122"/>
+              </a:rPr>
+              <a:t>2.T32</a:t>
+            </a:r>
+            <a:r>
+              <a:rPr lang="zh-CN" altLang="en-US" sz="2400" dirty="0" smtClean="0">
+                <a:latin typeface="微软雅黑 Light" panose="020B0502040204020203" pitchFamily="34" charset="-122"/>
+                <a:ea typeface="微软雅黑 Light" panose="020B0502040204020203" pitchFamily="34" charset="-122"/>
+              </a:rPr>
+              <a:t>分析数据</a:t>
+            </a:r>
+            <a:endParaRPr lang="zh-CN" altLang="en-US" sz="2400" dirty="0"/>
+          </a:p>
+        </p:txBody>
+      </p:sp>
+      <p:sp>
+        <p:nvSpPr>
+          <p:cNvPr id="6" name="矩形 5"/>
+          <p:cNvSpPr/>
+          <p:nvPr/>
+        </p:nvSpPr>
+        <p:spPr>
+          <a:xfrm>
+            <a:off x="347749" y="872609"/>
+            <a:ext cx="12284132" cy="861774"/>
+          </a:xfrm>
+          <a:prstGeom prst="rect">
+            <a:avLst/>
+          </a:prstGeom>
+        </p:spPr>
+        <p:txBody>
+          <a:bodyPr wrap="none">
+            <a:spAutoFit/>
+          </a:bodyPr>
+          <a:lstStyle/>
+          <a:p>
+            <a:r>
+              <a:rPr lang="zh-CN" altLang="en-US" sz="3200" b="1" dirty="0" smtClean="0">
+                <a:solidFill>
+                  <a:srgbClr val="FF0000"/>
+                </a:solidFill>
+              </a:rPr>
+              <a:t>重要：</a:t>
+            </a:r>
+            <a:r>
+              <a:rPr lang="zh-CN" altLang="en-US" sz="1600" dirty="0" smtClean="0"/>
+              <a:t>导入</a:t>
+            </a:r>
+            <a:r>
+              <a:rPr lang="en-US" altLang="zh-CN" sz="1600" dirty="0" err="1" smtClean="0"/>
+              <a:t>dump.bin</a:t>
+            </a:r>
+            <a:r>
+              <a:rPr lang="en-US" altLang="zh-CN" sz="1600" dirty="0" smtClean="0"/>
+              <a:t> </a:t>
+            </a:r>
+            <a:r>
+              <a:rPr lang="zh-CN" altLang="en-US" sz="1600" dirty="0" smtClean="0"/>
+              <a:t>以及 </a:t>
+            </a:r>
+            <a:r>
+              <a:rPr lang="en-US" altLang="zh-CN" sz="1600" dirty="0" smtClean="0"/>
+              <a:t>1860.exl</a:t>
+            </a:r>
+            <a:r>
+              <a:rPr lang="zh-CN" altLang="en-US" sz="1600" dirty="0" smtClean="0"/>
+              <a:t>文件后，点击</a:t>
+            </a:r>
+            <a:r>
+              <a:rPr lang="en-US" altLang="zh-CN" sz="1600" dirty="0" smtClean="0"/>
+              <a:t>list </a:t>
+            </a:r>
+            <a:r>
+              <a:rPr lang="en-US" altLang="zh-CN" sz="1600" dirty="0" err="1" smtClean="0"/>
+              <a:t>symble</a:t>
+            </a:r>
+            <a:r>
+              <a:rPr lang="zh-CN" altLang="en-US" sz="1600" dirty="0" smtClean="0"/>
+              <a:t>后，找到自己想要查看的</a:t>
+            </a:r>
+            <a:r>
+              <a:rPr lang="en-US" altLang="zh-CN" sz="1600" dirty="0" err="1" smtClean="0"/>
+              <a:t>symble</a:t>
+            </a:r>
+            <a:r>
+              <a:rPr lang="zh-CN" altLang="en-US" sz="1600" dirty="0" smtClean="0"/>
+              <a:t>（变量、函数等），双击</a:t>
+            </a:r>
+            <a:r>
+              <a:rPr lang="en-US" altLang="zh-CN" sz="1600" dirty="0" err="1" smtClean="0"/>
+              <a:t>symble</a:t>
+            </a:r>
+            <a:r>
+              <a:rPr lang="en-US" altLang="zh-CN" sz="1600" dirty="0" smtClean="0"/>
+              <a:t> </a:t>
+            </a:r>
+            <a:r>
+              <a:rPr lang="zh-CN" altLang="en-US" sz="1600" dirty="0" smtClean="0"/>
+              <a:t>名并</a:t>
+            </a:r>
+            <a:endParaRPr lang="en-US" altLang="zh-CN" sz="1600" dirty="0" smtClean="0"/>
+          </a:p>
+          <a:p>
+            <a:r>
+              <a:rPr lang="zh-CN" altLang="en-US" sz="1600" dirty="0" smtClean="0"/>
+              <a:t>记录。</a:t>
+            </a:r>
+            <a:r>
+              <a:rPr lang="zh-CN" altLang="en-US" b="1" dirty="0">
+                <a:solidFill>
+                  <a:srgbClr val="FF0000"/>
+                </a:solidFill>
+              </a:rPr>
+              <a:t>需要再次导入</a:t>
+            </a:r>
+            <a:r>
+              <a:rPr lang="en-US" altLang="zh-CN" b="1" dirty="0" err="1">
+                <a:solidFill>
+                  <a:srgbClr val="FF0000"/>
+                </a:solidFill>
+              </a:rPr>
+              <a:t>dump.bin</a:t>
+            </a:r>
+            <a:r>
+              <a:rPr lang="zh-CN" altLang="en-US" b="1" dirty="0">
+                <a:solidFill>
+                  <a:srgbClr val="FF0000"/>
+                </a:solidFill>
+              </a:rPr>
+              <a:t>文件</a:t>
+            </a:r>
+            <a:r>
+              <a:rPr lang="zh-CN" altLang="en-US" sz="1600" dirty="0" smtClean="0"/>
+              <a:t>，输入记录的地址即可查看死机现场的值</a:t>
+            </a:r>
+            <a:endParaRPr lang="zh-CN" altLang="en-US" sz="1600" dirty="0"/>
+          </a:p>
+        </p:txBody>
+      </p:sp>
+      <p:pic>
+        <p:nvPicPr>
+          <p:cNvPr id="8" name="图片 7"/>
+          <p:cNvPicPr>
+            <a:picLocks noChangeAspect="1"/>
+          </p:cNvPicPr>
+          <p:nvPr/>
+        </p:nvPicPr>
+        <p:blipFill rotWithShape="1">
+          <a:blip r:embed="rId2"/>
+          <a:srcRect b="28935"/>
+          <a:stretch/>
+        </p:blipFill>
+        <p:spPr>
+          <a:xfrm>
+            <a:off x="253604" y="1960317"/>
+            <a:ext cx="11262121" cy="3398574"/>
+          </a:xfrm>
+          <a:prstGeom prst="rect">
+            <a:avLst/>
+          </a:prstGeom>
+        </p:spPr>
+      </p:pic>
+      <p:pic>
+        <p:nvPicPr>
+          <p:cNvPr id="9" name="图片 8"/>
+          <p:cNvPicPr>
+            <a:picLocks noChangeAspect="1"/>
+          </p:cNvPicPr>
+          <p:nvPr/>
+        </p:nvPicPr>
+        <p:blipFill>
+          <a:blip r:embed="rId3"/>
+          <a:stretch>
+            <a:fillRect/>
+          </a:stretch>
+        </p:blipFill>
+        <p:spPr>
+          <a:xfrm>
+            <a:off x="253604" y="5499100"/>
+            <a:ext cx="9625013" cy="1358900"/>
+          </a:xfrm>
+          <a:prstGeom prst="rect">
+            <a:avLst/>
+          </a:prstGeom>
+        </p:spPr>
+      </p:pic>
+    </p:spTree>
+    <p:extLst>
+      <p:ext uri="{BB962C8B-B14F-4D97-AF65-F5344CB8AC3E}">
+        <p14:creationId xmlns:p14="http://schemas.microsoft.com/office/powerpoint/2010/main" val="1021579053"/>
+      </p:ext>
+    </p:extLst>
+  </p:cSld>
+  <p:clrMapOvr>
+    <a:masterClrMapping/>
+  </p:clrMapOvr>
+  <p:timing>
+    <p:tnLst>
+      <p:par>
+        <p:cTn id="1" dur="indefinite" restart="never" nodeType="tmRoot"/>
+      </p:par>
+    </p:tnLst>
+  </p:timing>
+</p:sld>
+</file>
+
+<file path=ppt/slides/slide31.xml><?xml version="1.0" encoding="utf-8"?>
 <p:sld xmlns:a="http://schemas.openxmlformats.org/drawingml/2006/main" xmlns:r="http://schemas.openxmlformats.org/officeDocument/2006/relationships" xmlns:p="http://schemas.openxmlformats.org/presentationml/2006/main">
   <p:cSld>
     <p:spTree>
@@ -10652,7 +10913,7 @@
 </p:sld>
 </file>
 
-<file path=ppt/slides/slide31.xml><?xml version="1.0" encoding="utf-8"?>
+<file path=ppt/slides/slide32.xml><?xml version="1.0" encoding="utf-8"?>
 <p:sld xmlns:a="http://schemas.openxmlformats.org/drawingml/2006/main" xmlns:r="http://schemas.openxmlformats.org/officeDocument/2006/relationships" xmlns:p="http://schemas.openxmlformats.org/presentationml/2006/main">
   <p:cSld>
     <p:spTree>
@@ -11126,7 +11387,7 @@
 </p:sld>
 </file>
 
-<file path=ppt/slides/slide32.xml><?xml version="1.0" encoding="utf-8"?>
+<file path=ppt/slides/slide33.xml><?xml version="1.0" encoding="utf-8"?>
 <p:sld xmlns:a="http://schemas.openxmlformats.org/drawingml/2006/main" xmlns:r="http://schemas.openxmlformats.org/officeDocument/2006/relationships" xmlns:p="http://schemas.openxmlformats.org/presentationml/2006/main">
   <p:cSld>
     <p:spTree>
@@ -11617,234 +11878,6 @@
     <p:extLst>
       <p:ext uri="{BB962C8B-B14F-4D97-AF65-F5344CB8AC3E}">
         <p14:creationId xmlns:p14="http://schemas.microsoft.com/office/powerpoint/2010/main" val="125418366"/>
-      </p:ext>
-    </p:extLst>
-  </p:cSld>
-  <p:clrMapOvr>
-    <a:masterClrMapping/>
-  </p:clrMapOvr>
-</p:sld>
-</file>
-
-<file path=ppt/slides/slide33.xml><?xml version="1.0" encoding="utf-8"?>
-<p:sld xmlns:a="http://schemas.openxmlformats.org/drawingml/2006/main" xmlns:r="http://schemas.openxmlformats.org/officeDocument/2006/relationships" xmlns:p="http://schemas.openxmlformats.org/presentationml/2006/main">
-  <p:cSld>
-    <p:spTree>
-      <p:nvGrpSpPr>
-        <p:cNvPr id="1" name=""/>
-        <p:cNvGrpSpPr/>
-        <p:nvPr/>
-      </p:nvGrpSpPr>
-      <p:grpSpPr>
-        <a:xfrm>
-          <a:off x="0" y="0"/>
-          <a:ext cx="0" cy="0"/>
-          <a:chOff x="0" y="0"/>
-          <a:chExt cx="0" cy="0"/>
-        </a:xfrm>
-      </p:grpSpPr>
-      <p:sp>
-        <p:nvSpPr>
-          <p:cNvPr id="3" name="标题 1"/>
-          <p:cNvSpPr txBox="1">
-            <a:spLocks/>
-          </p:cNvSpPr>
-          <p:nvPr/>
-        </p:nvSpPr>
-        <p:spPr>
-          <a:xfrm>
-            <a:off x="347749" y="171336"/>
-            <a:ext cx="2471651" cy="295389"/>
-          </a:xfrm>
-          <a:prstGeom prst="rect">
-            <a:avLst/>
-          </a:prstGeom>
-        </p:spPr>
-        <p:txBody>
-          <a:bodyPr/>
-          <a:lstStyle>
-            <a:lvl1pPr algn="l" defTabSz="914400" rtl="0" eaLnBrk="1" latinLnBrk="0" hangingPunct="1">
-              <a:lnSpc>
-                <a:spcPct val="90000"/>
-              </a:lnSpc>
-              <a:spcBef>
-                <a:spcPct val="0"/>
-              </a:spcBef>
-              <a:buNone/>
-              <a:defRPr sz="4400" kern="1200">
-                <a:solidFill>
-                  <a:schemeClr val="tx1"/>
-                </a:solidFill>
-                <a:latin typeface="+mj-lt"/>
-                <a:ea typeface="+mj-ea"/>
-                <a:cs typeface="+mj-cs"/>
-              </a:defRPr>
-            </a:lvl1pPr>
-          </a:lstStyle>
-          <a:p>
-            <a:r>
-              <a:rPr lang="en-US" altLang="zh-CN" sz="2400" dirty="0" smtClean="0">
-                <a:latin typeface="微软雅黑 Light" panose="020B0502040204020203" pitchFamily="34" charset="-122"/>
-                <a:ea typeface="微软雅黑 Light" panose="020B0502040204020203" pitchFamily="34" charset="-122"/>
-              </a:rPr>
-              <a:t>2.T32</a:t>
-            </a:r>
-            <a:r>
-              <a:rPr lang="zh-CN" altLang="en-US" sz="2400" dirty="0" smtClean="0">
-                <a:latin typeface="微软雅黑 Light" panose="020B0502040204020203" pitchFamily="34" charset="-122"/>
-                <a:ea typeface="微软雅黑 Light" panose="020B0502040204020203" pitchFamily="34" charset="-122"/>
-              </a:rPr>
-              <a:t>分析数据</a:t>
-            </a:r>
-            <a:endParaRPr lang="zh-CN" altLang="en-US" sz="2400" dirty="0"/>
-          </a:p>
-        </p:txBody>
-      </p:sp>
-      <p:sp>
-        <p:nvSpPr>
-          <p:cNvPr id="4" name="矩形 3"/>
-          <p:cNvSpPr/>
-          <p:nvPr/>
-        </p:nvSpPr>
-        <p:spPr>
-          <a:xfrm>
-            <a:off x="347749" y="958334"/>
-            <a:ext cx="12086963" cy="584775"/>
-          </a:xfrm>
-          <a:prstGeom prst="rect">
-            <a:avLst/>
-          </a:prstGeom>
-        </p:spPr>
-        <p:txBody>
-          <a:bodyPr wrap="none">
-            <a:spAutoFit/>
-          </a:bodyPr>
-          <a:lstStyle/>
-          <a:p>
-            <a:r>
-              <a:rPr lang="zh-CN" altLang="en-US" sz="1600" dirty="0" smtClean="0"/>
-              <a:t>可以点击</a:t>
-            </a:r>
-            <a:r>
-              <a:rPr lang="en-US" altLang="zh-CN" sz="1600" b="1" dirty="0" smtClean="0"/>
-              <a:t>list </a:t>
-            </a:r>
-            <a:r>
-              <a:rPr lang="en-US" altLang="zh-CN" sz="1600" b="1" dirty="0" err="1" smtClean="0"/>
-              <a:t>symbles</a:t>
-            </a:r>
-            <a:r>
-              <a:rPr lang="en-US" altLang="zh-CN" sz="1600" b="1" dirty="0" smtClean="0"/>
-              <a:t> </a:t>
-            </a:r>
-            <a:r>
-              <a:rPr lang="zh-CN" altLang="en-US" sz="1600" dirty="0" smtClean="0"/>
-              <a:t>应该会列出源码中所有的变量、函数等信息，使用</a:t>
-            </a:r>
-            <a:r>
-              <a:rPr lang="en-US" altLang="zh-CN" sz="1600" b="1" dirty="0" smtClean="0"/>
-              <a:t>ctrl +F </a:t>
-            </a:r>
-            <a:r>
-              <a:rPr lang="zh-CN" altLang="en-US" sz="1600" dirty="0" smtClean="0"/>
-              <a:t>会得到该函数，点击</a:t>
-            </a:r>
-            <a:r>
-              <a:rPr lang="en-US" altLang="zh-CN" sz="1600" dirty="0" smtClean="0"/>
-              <a:t>address</a:t>
-            </a:r>
-            <a:r>
-              <a:rPr lang="zh-CN" altLang="en-US" sz="1600" dirty="0" smtClean="0"/>
-              <a:t>可得到具体的汇编指令，</a:t>
-            </a:r>
-            <a:endParaRPr lang="en-US" altLang="zh-CN" sz="1600" dirty="0" smtClean="0"/>
-          </a:p>
-          <a:p>
-            <a:r>
-              <a:rPr lang="zh-CN" altLang="en-US" sz="1600" dirty="0" smtClean="0"/>
-              <a:t>可依据</a:t>
-            </a:r>
-            <a:r>
-              <a:rPr lang="en-US" altLang="zh-CN" sz="1600" dirty="0" err="1" smtClean="0"/>
-              <a:t>Xfile</a:t>
-            </a:r>
-            <a:r>
-              <a:rPr lang="zh-CN" altLang="en-US" sz="1600" dirty="0" smtClean="0"/>
-              <a:t>提示信息，搜寻、查看可能的</a:t>
-            </a:r>
-            <a:r>
-              <a:rPr lang="en-US" altLang="zh-CN" sz="1600" dirty="0" smtClean="0"/>
-              <a:t>Crash</a:t>
-            </a:r>
-            <a:r>
-              <a:rPr lang="zh-CN" altLang="en-US" sz="1600" dirty="0"/>
-              <a:t>点</a:t>
-            </a:r>
-            <a:endParaRPr lang="zh-CN" altLang="en-US" sz="1600" dirty="0"/>
-          </a:p>
-        </p:txBody>
-      </p:sp>
-      <p:pic>
-        <p:nvPicPr>
-          <p:cNvPr id="8" name="图片 7"/>
-          <p:cNvPicPr>
-            <a:picLocks noChangeAspect="1"/>
-          </p:cNvPicPr>
-          <p:nvPr/>
-        </p:nvPicPr>
-        <p:blipFill>
-          <a:blip r:embed="rId2"/>
-          <a:stretch>
-            <a:fillRect/>
-          </a:stretch>
-        </p:blipFill>
-        <p:spPr>
-          <a:xfrm>
-            <a:off x="253604" y="1788496"/>
-            <a:ext cx="11938396" cy="5069504"/>
-          </a:xfrm>
-          <a:prstGeom prst="rect">
-            <a:avLst/>
-          </a:prstGeom>
-        </p:spPr>
-      </p:pic>
-      <p:cxnSp>
-        <p:nvCxnSpPr>
-          <p:cNvPr id="11" name="直接箭头连接符 10"/>
-          <p:cNvCxnSpPr/>
-          <p:nvPr/>
-        </p:nvCxnSpPr>
-        <p:spPr>
-          <a:xfrm flipH="1">
-            <a:off x="6413500" y="1270000"/>
-            <a:ext cx="3340100" cy="2705100"/>
-          </a:xfrm>
-          <a:prstGeom prst="straightConnector1">
-            <a:avLst/>
-          </a:prstGeom>
-          <a:ln w="57150">
-            <a:tailEnd type="triangle"/>
-          </a:ln>
-        </p:spPr>
-        <p:style>
-          <a:lnRef idx="3">
-            <a:schemeClr val="accent2"/>
-          </a:lnRef>
-          <a:fillRef idx="0">
-            <a:schemeClr val="accent2"/>
-          </a:fillRef>
-          <a:effectRef idx="2">
-            <a:schemeClr val="accent2"/>
-          </a:effectRef>
-          <a:fontRef idx="minor">
-            <a:schemeClr val="tx1"/>
-          </a:fontRef>
-        </p:style>
-      </p:cxnSp>
-    </p:spTree>
-    <p:extLst>
-      <p:ext uri="{BB962C8B-B14F-4D97-AF65-F5344CB8AC3E}">
-        <p14:creationId xmlns:p14="http://schemas.microsoft.com/office/powerpoint/2010/main" val="1229153900"/>
       </p:ext>
     </p:extLst>
   </p:cSld>
